--- a/G2M_Case_Study.pptx
+++ b/G2M_Case_Study.pptx
@@ -266,7 +266,7 @@
           <a:p>
             <a:fld id="{C764DE79-268F-4C1A-8933-263129D2AF90}" type="datetimeFigureOut">
               <a:rPr lang="en-US" dirty="0"/>
-              <a:t>7/19/2022</a:t>
+              <a:t>7/22/2022</a:t>
             </a:fld>
             <a:endParaRPr lang="en-US" dirty="0"/>
           </a:p>
@@ -434,7 +434,7 @@
           <a:p>
             <a:fld id="{C764DE79-268F-4C1A-8933-263129D2AF90}" type="datetimeFigureOut">
               <a:rPr lang="en-US" dirty="0"/>
-              <a:t>7/19/2022</a:t>
+              <a:t>7/22/2022</a:t>
             </a:fld>
             <a:endParaRPr lang="en-US" dirty="0"/>
           </a:p>
@@ -612,7 +612,7 @@
           <a:p>
             <a:fld id="{C764DE79-268F-4C1A-8933-263129D2AF90}" type="datetimeFigureOut">
               <a:rPr lang="en-US" dirty="0"/>
-              <a:t>7/19/2022</a:t>
+              <a:t>7/22/2022</a:t>
             </a:fld>
             <a:endParaRPr lang="en-US" dirty="0"/>
           </a:p>
@@ -780,7 +780,7 @@
           <a:p>
             <a:fld id="{C764DE79-268F-4C1A-8933-263129D2AF90}" type="datetimeFigureOut">
               <a:rPr lang="en-US" dirty="0"/>
-              <a:t>7/19/2022</a:t>
+              <a:t>7/22/2022</a:t>
             </a:fld>
             <a:endParaRPr lang="en-US" dirty="0"/>
           </a:p>
@@ -1025,7 +1025,7 @@
           <a:p>
             <a:fld id="{C764DE79-268F-4C1A-8933-263129D2AF90}" type="datetimeFigureOut">
               <a:rPr lang="en-US" dirty="0"/>
-              <a:t>7/19/2022</a:t>
+              <a:t>7/22/2022</a:t>
             </a:fld>
             <a:endParaRPr lang="en-US" dirty="0"/>
           </a:p>
@@ -1254,7 +1254,7 @@
           <a:p>
             <a:fld id="{C764DE79-268F-4C1A-8933-263129D2AF90}" type="datetimeFigureOut">
               <a:rPr lang="en-US" dirty="0"/>
-              <a:t>7/19/2022</a:t>
+              <a:t>7/22/2022</a:t>
             </a:fld>
             <a:endParaRPr lang="en-US" dirty="0"/>
           </a:p>
@@ -1618,7 +1618,7 @@
           <a:p>
             <a:fld id="{C764DE79-268F-4C1A-8933-263129D2AF90}" type="datetimeFigureOut">
               <a:rPr lang="en-US" dirty="0"/>
-              <a:t>7/19/2022</a:t>
+              <a:t>7/22/2022</a:t>
             </a:fld>
             <a:endParaRPr lang="en-US" dirty="0"/>
           </a:p>
@@ -1735,7 +1735,7 @@
           <a:p>
             <a:fld id="{C764DE79-268F-4C1A-8933-263129D2AF90}" type="datetimeFigureOut">
               <a:rPr lang="en-US" dirty="0"/>
-              <a:t>7/19/2022</a:t>
+              <a:t>7/22/2022</a:t>
             </a:fld>
             <a:endParaRPr lang="en-US" dirty="0"/>
           </a:p>
@@ -1830,7 +1830,7 @@
           <a:p>
             <a:fld id="{C764DE79-268F-4C1A-8933-263129D2AF90}" type="datetimeFigureOut">
               <a:rPr lang="en-US" dirty="0"/>
-              <a:t>7/19/2022</a:t>
+              <a:t>7/22/2022</a:t>
             </a:fld>
             <a:endParaRPr lang="en-US" dirty="0"/>
           </a:p>
@@ -2105,7 +2105,7 @@
           <a:p>
             <a:fld id="{C764DE79-268F-4C1A-8933-263129D2AF90}" type="datetimeFigureOut">
               <a:rPr lang="en-US" dirty="0"/>
-              <a:t>7/19/2022</a:t>
+              <a:t>7/22/2022</a:t>
             </a:fld>
             <a:endParaRPr lang="en-US" dirty="0"/>
           </a:p>
@@ -2360,7 +2360,7 @@
           <a:p>
             <a:fld id="{C764DE79-268F-4C1A-8933-263129D2AF90}" type="datetimeFigureOut">
               <a:rPr lang="en-US" dirty="0"/>
-              <a:t>7/19/2022</a:t>
+              <a:t>7/22/2022</a:t>
             </a:fld>
             <a:endParaRPr lang="en-US" dirty="0"/>
           </a:p>
@@ -2571,7 +2571,7 @@
           <a:p>
             <a:fld id="{C764DE79-268F-4C1A-8933-263129D2AF90}" type="datetimeFigureOut">
               <a:rPr lang="en-US" dirty="0"/>
-              <a:t>7/19/2022</a:t>
+              <a:t>7/22/2022</a:t>
             </a:fld>
             <a:endParaRPr lang="en-US" dirty="0"/>
           </a:p>
@@ -5634,7 +5634,7 @@
           <a:p>
             <a:r>
               <a:rPr lang="en-US" sz="2200" dirty="0"/>
-              <a:t>Upon the analysis, Yellow Cab has been deemed more appropriate for investment</a:t>
+              <a:t>Upon the analysis, Yellow Cab has been deemed more appropriate and safer for investment as it is far more profitable and it has a large number of “regular/loyal” customers. Furthermore, the demand for its services is higher than Pink Cab’s at all times of the year and in most major cities. Lastly, Yellow Cab has a higher profit margin per ride than Pink Cab, which can be lowered, if needed, in order to further broaden the margin in customer reach.</a:t>
             </a:r>
           </a:p>
         </p:txBody>
